--- a/presentations/polyclaw.pptx
+++ b/presentations/polyclaw.pptx
@@ -3324,10 +3324,10 @@
       </p:grpSpPr>
       <p:pic>
         <p:nvPicPr>
-          <p:cNvPr id="5" name="Picture 4" descr="A screenshot of a chat&#10;&#10;AI-generated content may be incorrect.">
-            <a:extLst>
-              <a:ext uri="{FF2B5EF4-FFF2-40B4-BE49-F238E27FC236}">
-                <a16:creationId xmlns:a16="http://schemas.microsoft.com/office/drawing/2014/main" id="{AF168112-6287-CCAB-7C7B-ED93CED90D56}"/>
+          <p:cNvPr id="12" name="Picture 11" descr="A screenshot of a chat&#10;&#10;AI-generated content may be incorrect.">
+            <a:extLst>
+              <a:ext uri="{FF2B5EF4-FFF2-40B4-BE49-F238E27FC236}">
+                <a16:creationId xmlns:a16="http://schemas.microsoft.com/office/drawing/2014/main" id="{46D4B52A-00B7-BF39-5FE7-A42BEBCCD683}"/>
               </a:ext>
             </a:extLst>
           </p:cNvPr>
@@ -3344,8 +3344,8 @@
         </p:blipFill>
         <p:spPr>
           <a:xfrm>
-            <a:off x="0" y="9123"/>
-            <a:ext cx="12192000" cy="6839754"/>
+            <a:off x="0" y="17113"/>
+            <a:ext cx="12222578" cy="6840887"/>
           </a:xfrm>
           <a:prstGeom prst="rect">
             <a:avLst/>
@@ -3407,44 +3407,21 @@
           </a:p>
         </p:txBody>
       </p:sp>
-      <p:sp>
-        <p:nvSpPr>
-          <p:cNvPr id="3" name="Content Placeholder 2">
-            <a:extLst>
-              <a:ext uri="{FF2B5EF4-FFF2-40B4-BE49-F238E27FC236}">
-                <a16:creationId xmlns:a16="http://schemas.microsoft.com/office/drawing/2014/main" id="{1A664B7A-CF91-9FC9-F613-B9DAA6FA2DDA}"/>
-              </a:ext>
-            </a:extLst>
-          </p:cNvPr>
-          <p:cNvSpPr>
-            <a:spLocks noGrp="1"/>
-          </p:cNvSpPr>
-          <p:nvPr>
-            <p:ph idx="1"/>
-          </p:nvPr>
-        </p:nvSpPr>
-        <p:spPr/>
-        <p:txBody>
-          <a:bodyPr/>
-          <a:lstStyle/>
-          <a:p>
-            <a:endParaRPr lang="en-US"/>
-          </a:p>
-        </p:txBody>
-      </p:sp>
       <p:pic>
         <p:nvPicPr>
-          <p:cNvPr id="4" name="Picture 3">
-            <a:extLst>
-              <a:ext uri="{FF2B5EF4-FFF2-40B4-BE49-F238E27FC236}">
-                <a16:creationId xmlns:a16="http://schemas.microsoft.com/office/drawing/2014/main" id="{503C8A18-28B7-EA78-9727-A0426BE8CBFF}"/>
+          <p:cNvPr id="6" name="Content Placeholder 5" descr="A screenshot of a computer&#10;&#10;AI-generated content may be incorrect.">
+            <a:extLst>
+              <a:ext uri="{FF2B5EF4-FFF2-40B4-BE49-F238E27FC236}">
+                <a16:creationId xmlns:a16="http://schemas.microsoft.com/office/drawing/2014/main" id="{D56B2D95-7C1B-2B73-773D-94E951C4622E}"/>
               </a:ext>
             </a:extLst>
           </p:cNvPr>
           <p:cNvPicPr>
-            <a:picLocks noChangeAspect="1"/>
+            <a:picLocks noGrp="1" noChangeAspect="1"/>
           </p:cNvPicPr>
-          <p:nvPr/>
+          <p:nvPr>
+            <p:ph idx="1"/>
+          </p:nvPr>
         </p:nvPicPr>
         <p:blipFill>
           <a:blip r:embed="rId2"/>
@@ -3454,12 +3431,9 @@
         </p:blipFill>
         <p:spPr>
           <a:xfrm>
-            <a:off x="-71120" y="0"/>
-            <a:ext cx="12344400" cy="6874300"/>
+            <a:off x="-584273" y="-45720"/>
+            <a:ext cx="13412799" cy="6949440"/>
           </a:xfrm>
-          <a:prstGeom prst="rect">
-            <a:avLst/>
-          </a:prstGeom>
         </p:spPr>
       </p:pic>
     </p:spTree>
